--- a/Documentation/FireAware - Community Based  Wildfire Awareness.pptx
+++ b/Documentation/FireAware - Community Based  Wildfire Awareness.pptx
@@ -9540,6 +9540,21 @@
             </a:r>
             <a:endParaRPr/>
           </a:p>
+          <a:p>
+            <a:pPr indent="0" lvl="0" marL="0" rtl="0" algn="ctr">
+              <a:spcBef>
+                <a:spcPts val="0"/>
+              </a:spcBef>
+              <a:spcAft>
+                <a:spcPts val="0"/>
+              </a:spcAft>
+              <a:buNone/>
+            </a:pPr>
+            <a:r>
+              <a:t/>
+            </a:r>
+            <a:endParaRPr/>
+          </a:p>
         </p:txBody>
       </p:sp>
       <p:sp>
@@ -9806,11 +9821,11 @@
         </p:spPr>
         <p:txBody>
           <a:bodyPr anchorCtr="0" anchor="t" bIns="91425" lIns="91425" spcFirstLastPara="1" rIns="91425" wrap="square" tIns="91425">
-            <a:normAutofit fontScale="92500" lnSpcReduction="20000"/>
+            <a:normAutofit fontScale="85000"/>
           </a:bodyPr>
           <a:lstStyle/>
           <a:p>
-            <a:pPr indent="-316706" lvl="0" marL="457200" rtl="0" algn="just">
+            <a:pPr indent="-309562" lvl="0" marL="457200" rtl="0" algn="just">
               <a:spcBef>
                 <a:spcPts val="0"/>
               </a:spcBef>
@@ -9853,7 +9868,7 @@
             </a:endParaRPr>
           </a:p>
           <a:p>
-            <a:pPr indent="-316706" lvl="0" marL="457200" rtl="0" algn="just">
+            <a:pPr indent="-309562" lvl="0" marL="457200" rtl="0" algn="just">
               <a:spcBef>
                 <a:spcPts val="0"/>
               </a:spcBef>
@@ -9882,6 +9897,36 @@
               </a:rPr>
               <a:t>Our solution idea is to get active wildfire as well as predict future happenings using information from different sources. One source is satellites that gives as active fire information. We also forecast/predict using Machine learning the possible happening of wildfire. We also collect wildfire occurrence inputs from communities around the are via mobile app. </a:t>
             </a:r>
+            <a:r>
+              <a:rPr lang="en-GB" sz="1500">
+                <a:solidFill>
+                  <a:srgbClr val="1B1B1B"/>
+                </a:solidFill>
+                <a:highlight>
+                  <a:srgbClr val="FFFFFF"/>
+                </a:highlight>
+                <a:latin typeface="Arial"/>
+                <a:ea typeface="Arial"/>
+                <a:cs typeface="Arial"/>
+                <a:sym typeface="Arial"/>
+              </a:rPr>
+              <a:t>Communities</a:t>
+            </a:r>
+            <a:r>
+              <a:rPr lang="en-GB" sz="1500">
+                <a:solidFill>
+                  <a:srgbClr val="1B1B1B"/>
+                </a:solidFill>
+                <a:highlight>
+                  <a:srgbClr val="FFFFFF"/>
+                </a:highlight>
+                <a:latin typeface="Arial"/>
+                <a:ea typeface="Arial"/>
+                <a:cs typeface="Arial"/>
+                <a:sym typeface="Arial"/>
+              </a:rPr>
+              <a:t> can get incentives for being alert and report verifiable wildfire entries.</a:t>
+            </a:r>
             <a:endParaRPr sz="1500">
               <a:solidFill>
                 <a:srgbClr val="1B1B1B"/>
@@ -9896,7 +9941,7 @@
             </a:endParaRPr>
           </a:p>
           <a:p>
-            <a:pPr indent="-316706" lvl="0" marL="457200" rtl="0" algn="just">
+            <a:pPr indent="-309562" lvl="0" marL="457200" rtl="0" algn="just">
               <a:spcBef>
                 <a:spcPts val="0"/>
               </a:spcBef>
@@ -10375,15 +10420,7 @@
             </a:pPr>
             <a:r>
               <a:rPr lang="en-GB"/>
-              <a:t>Actions Needed from </a:t>
-            </a:r>
-            <a:r>
-              <a:rPr lang="en-GB"/>
-              <a:t>Agencies</a:t>
-            </a:r>
-            <a:r>
-              <a:rPr lang="en-GB"/>
-              <a:t>:</a:t>
+              <a:t>Actions Needed from Agencies:</a:t>
             </a:r>
             <a:endParaRPr/>
           </a:p>
@@ -10399,7 +10436,7 @@
         </p:nvSpPr>
         <p:spPr>
           <a:xfrm>
-            <a:off x="819150" y="1726200"/>
+            <a:off x="819150" y="1708372"/>
             <a:ext cx="7505700" cy="2448000"/>
           </a:xfrm>
           <a:prstGeom prst="rect">
@@ -10456,11 +10493,7 @@
             </a:pPr>
             <a:r>
               <a:rPr lang="en-GB" sz="1600"/>
-              <a:t>Communication </a:t>
-            </a:r>
-            <a:r>
-              <a:rPr lang="en-GB" sz="1600"/>
-              <a:t>(Internet, Radio Signals)</a:t>
+              <a:t>Communication (Internet, Radio Signals)</a:t>
             </a:r>
             <a:endParaRPr sz="1600"/>
           </a:p>
@@ -10494,15 +10527,7 @@
             </a:pPr>
             <a:r>
               <a:rPr lang="en-GB" sz="1600"/>
-              <a:t>Thermal Imaging Drones and </a:t>
-            </a:r>
-            <a:r>
-              <a:rPr lang="en-GB" sz="1600"/>
-              <a:t>aerial</a:t>
-            </a:r>
-            <a:r>
-              <a:rPr lang="en-GB" sz="1600"/>
-              <a:t> support e.g helicopters</a:t>
+              <a:t>Thermal Imaging Drones and aerial support e.g helicopters</a:t>
             </a:r>
             <a:endParaRPr sz="1600"/>
           </a:p>
@@ -10519,11 +10544,7 @@
             </a:pPr>
             <a:r>
               <a:rPr lang="en-GB" sz="1600"/>
-              <a:t>Deployment</a:t>
-            </a:r>
-            <a:r>
-              <a:rPr lang="en-GB" sz="1600"/>
-              <a:t> of Ground crews</a:t>
+              <a:t>Deployment of Ground crews</a:t>
             </a:r>
             <a:endParaRPr sz="1600"/>
           </a:p>
@@ -10540,11 +10561,7 @@
             </a:pPr>
             <a:r>
               <a:rPr lang="en-GB" sz="1600"/>
-              <a:t>Establish</a:t>
-            </a:r>
-            <a:r>
-              <a:rPr lang="en-GB" sz="1600"/>
-              <a:t> some Safe Zones</a:t>
+              <a:t>Establish some Safe Zones </a:t>
             </a:r>
             <a:endParaRPr sz="1600"/>
           </a:p>
@@ -10642,18 +10659,18 @@
         </p:spPr>
         <p:txBody>
           <a:bodyPr anchorCtr="0" anchor="t" bIns="91425" lIns="91425" spcFirstLastPara="1" rIns="91425" wrap="square" tIns="91425">
-            <a:normAutofit/>
+            <a:normAutofit fontScale="85000" lnSpcReduction="20000"/>
           </a:bodyPr>
           <a:lstStyle/>
           <a:p>
-            <a:pPr indent="-349250" lvl="0" marL="457200" rtl="0" algn="l">
-              <a:spcBef>
-                <a:spcPts val="0"/>
-              </a:spcBef>
-              <a:spcAft>
-                <a:spcPts val="0"/>
-              </a:spcAft>
-              <a:buSzPts val="1900"/>
+            <a:pPr indent="-331152" lvl="0" marL="457200" rtl="0" algn="l">
+              <a:spcBef>
+                <a:spcPts val="0"/>
+              </a:spcBef>
+              <a:spcAft>
+                <a:spcPts val="0"/>
+              </a:spcAft>
+              <a:buSzPct val="100000"/>
               <a:buChar char="●"/>
             </a:pPr>
             <a:r>
@@ -10663,52 +10680,155 @@
             <a:endParaRPr sz="1900"/>
           </a:p>
           <a:p>
-            <a:pPr indent="-349250" lvl="0" marL="457200" rtl="0" algn="l">
-              <a:spcBef>
-                <a:spcPts val="0"/>
-              </a:spcBef>
-              <a:spcAft>
-                <a:spcPts val="0"/>
-              </a:spcAft>
-              <a:buSzPts val="1900"/>
+            <a:pPr indent="-331152" lvl="0" marL="457200" rtl="0" algn="l">
+              <a:spcBef>
+                <a:spcPts val="0"/>
+              </a:spcBef>
+              <a:spcAft>
+                <a:spcPts val="0"/>
+              </a:spcAft>
+              <a:buSzPct val="100000"/>
               <a:buChar char="●"/>
             </a:pPr>
             <a:r>
               <a:rPr lang="en-GB" sz="1900"/>
-              <a:t>Encouraging </a:t>
-            </a:r>
-            <a:r>
-              <a:rPr lang="en-GB" sz="1900"/>
-              <a:t>communities to be more active in contributing.</a:t>
-            </a:r>
-            <a:r>
-              <a:rPr lang="en-GB" sz="1900"/>
-              <a:t> </a:t>
+              <a:t>Encouraging communities to be more active in contributing. </a:t>
             </a:r>
             <a:endParaRPr sz="1900"/>
           </a:p>
           <a:p>
-            <a:pPr indent="-349250" lvl="0" marL="457200" rtl="0" algn="l">
-              <a:spcBef>
-                <a:spcPts val="0"/>
-              </a:spcBef>
-              <a:spcAft>
-                <a:spcPts val="0"/>
-              </a:spcAft>
-              <a:buSzPts val="1900"/>
+            <a:pPr indent="-331152" lvl="0" marL="457200" rtl="0" algn="l">
+              <a:spcBef>
+                <a:spcPts val="0"/>
+              </a:spcBef>
+              <a:spcAft>
+                <a:spcPts val="0"/>
+              </a:spcAft>
+              <a:buSzPct val="100000"/>
               <a:buChar char="●"/>
             </a:pPr>
             <a:r>
               <a:rPr lang="en-GB" sz="1900"/>
-              <a:t>Providing </a:t>
+              <a:t>Providing incentives for the active observers</a:t>
             </a:r>
+            <a:endParaRPr sz="1900"/>
+          </a:p>
+          <a:p>
+            <a:pPr indent="0" lvl="0" marL="0" rtl="0" algn="l">
+              <a:spcBef>
+                <a:spcPts val="1200"/>
+              </a:spcBef>
+              <a:spcAft>
+                <a:spcPts val="0"/>
+              </a:spcAft>
+              <a:buNone/>
+            </a:pPr>
             <a:r>
-              <a:rPr lang="en-GB" sz="1900"/>
-              <a:t>incentives</a:t>
+              <a:rPr b="1" lang="en-GB" sz="1900"/>
+              <a:t>References</a:t>
             </a:r>
+            <a:endParaRPr b="1" sz="1900"/>
+          </a:p>
+          <a:p>
+            <a:pPr indent="-314960" lvl="0" marL="457200" rtl="0" algn="l">
+              <a:spcBef>
+                <a:spcPts val="1200"/>
+              </a:spcBef>
+              <a:spcAft>
+                <a:spcPts val="0"/>
+              </a:spcAft>
+              <a:buSzPct val="84210"/>
+              <a:buChar char="●"/>
+            </a:pPr>
             <a:r>
-              <a:rPr lang="en-GB" sz="1900"/>
-              <a:t> for the active observers</a:t>
+              <a:rPr lang="en-GB" sz="1900" u="sng">
+                <a:solidFill>
+                  <a:schemeClr val="hlink"/>
+                </a:solidFill>
+                <a:hlinkClick r:id="rId3"/>
+              </a:rPr>
+              <a:t>yearly summary by country - Finland</a:t>
+            </a:r>
+            <a:endParaRPr sz="1900"/>
+          </a:p>
+          <a:p>
+            <a:pPr indent="-314960" lvl="0" marL="457200" rtl="0" algn="l">
+              <a:spcBef>
+                <a:spcPts val="0"/>
+              </a:spcBef>
+              <a:spcAft>
+                <a:spcPts val="0"/>
+              </a:spcAft>
+              <a:buSzPct val="145454"/>
+              <a:buChar char="●"/>
+            </a:pPr>
+            <a:r>
+              <a:rPr lang="en-GB" sz="1100" u="sng">
+                <a:solidFill>
+                  <a:schemeClr val="accent5"/>
+                </a:solidFill>
+                <a:latin typeface="Arial"/>
+                <a:ea typeface="Arial"/>
+                <a:cs typeface="Arial"/>
+                <a:sym typeface="Arial"/>
+                <a:hlinkClick r:id="rId4">
+                  <a:extLst>
+                    <a:ext uri="{A12FA001-AC4F-418D-AE19-62706E023703}">
+                      <ahyp:hlinkClr val="tx"/>
+                    </a:ext>
+                  </a:extLst>
+                </a:hlinkClick>
+              </a:rPr>
+              <a:t>NFPA 1: Fire Code</a:t>
+            </a:r>
+            <a:endParaRPr sz="1600"/>
+          </a:p>
+          <a:p>
+            <a:pPr indent="-314960" lvl="0" marL="457200" rtl="0" algn="l">
+              <a:spcBef>
+                <a:spcPts val="0"/>
+              </a:spcBef>
+              <a:spcAft>
+                <a:spcPts val="0"/>
+              </a:spcAft>
+              <a:buSzPct val="145454"/>
+              <a:buChar char="●"/>
+            </a:pPr>
+            <a:r>
+              <a:rPr lang="en-GB" sz="1100" u="sng">
+                <a:solidFill>
+                  <a:schemeClr val="accent5"/>
+                </a:solidFill>
+                <a:latin typeface="Arial"/>
+                <a:ea typeface="Arial"/>
+                <a:cs typeface="Arial"/>
+                <a:sym typeface="Arial"/>
+                <a:hlinkClick r:id="rId5">
+                  <a:extLst>
+                    <a:ext uri="{A12FA001-AC4F-418D-AE19-62706E023703}">
+                      <ahyp:hlinkClr val="tx"/>
+                    </a:ext>
+                  </a:extLst>
+                </a:hlinkClick>
+              </a:rPr>
+              <a:t>Fire Prevention and Community Risk Reduction (fema.gov)</a:t>
+            </a:r>
+            <a:endParaRPr sz="1600"/>
+          </a:p>
+          <a:p>
+            <a:pPr indent="-314960" lvl="0" marL="457200" rtl="0" algn="l">
+              <a:spcBef>
+                <a:spcPts val="0"/>
+              </a:spcBef>
+              <a:spcAft>
+                <a:spcPts val="0"/>
+              </a:spcAft>
+              <a:buSzPct val="100000"/>
+              <a:buChar char="●"/>
+            </a:pPr>
+            <a:r>
+              <a:rPr lang="en-GB" sz="1600"/>
+              <a:t>https://en.ilmatieteenlaitos.fi/open-data-manual</a:t>
             </a:r>
             <a:endParaRPr sz="1900"/>
           </a:p>
